--- a/최종산출물/4조 최종결과보고서.pptx
+++ b/최종산출물/4조 최종결과보고서.pptx
@@ -16081,7 +16081,7 @@
           </a:prstGeom>
           <a:extLst>
             <a:ext uri="{C572A759-6A51-4108-AA02-DFA0A04FC94B}">
-              <ma14:wrappingTextBoxFlag xmlns="" xmlns:ma14="http://schemas.microsoft.com/office/mac/drawingml/2011/main" val="1"/>
+              <ma14:wrappingTextBoxFlag xmlns:ma14="http://schemas.microsoft.com/office/mac/drawingml/2011/main" xmlns="" val="1"/>
             </a:ext>
           </a:extLst>
         </p:spPr>

--- a/최종산출물/4조 최종결과보고서.pptx
+++ b/최종산출물/4조 최종결과보고서.pptx
@@ -16081,7 +16081,7 @@
           </a:prstGeom>
           <a:extLst>
             <a:ext uri="{C572A759-6A51-4108-AA02-DFA0A04FC94B}">
-              <ma14:wrappingTextBoxFlag xmlns:ma14="http://schemas.microsoft.com/office/mac/drawingml/2011/main" xmlns="" val="1"/>
+              <ma14:wrappingTextBoxFlag xmlns="" xmlns:ma14="http://schemas.microsoft.com/office/mac/drawingml/2011/main" val="1"/>
             </a:ext>
           </a:extLst>
         </p:spPr>

--- a/최종산출물/4조 최종결과보고서.pptx
+++ b/최종산출물/4조 최종결과보고서.pptx
@@ -14885,6 +14885,7 @@
                 <a:solidFill>
                   <a:srgbClr val="00B0F0"/>
                 </a:solidFill>
+                <a:hlinkClick r:id="rId2"/>
               </a:rPr>
               <a:t>Entity Class Diagram</a:t>
             </a:r>
@@ -15020,7 +15021,7 @@
           <p:nvPr/>
         </p:nvPicPr>
         <p:blipFill>
-          <a:blip r:embed="rId2">
+          <a:blip r:embed="rId3">
             <a:extLst>
               <a:ext uri="{28A0092B-C50C-407E-A947-70E740481C1C}">
                 <a14:useLocalDpi xmlns:a14="http://schemas.microsoft.com/office/drawing/2010/main" val="0"/>
@@ -15097,6 +15098,7 @@
                 <a:solidFill>
                   <a:srgbClr val="00B0F0"/>
                 </a:solidFill>
+                <a:hlinkClick r:id="rId2"/>
               </a:rPr>
               <a:t>Entity Relationship Diagram</a:t>
             </a:r>
@@ -15267,7 +15269,7 @@
           <p:nvPr/>
         </p:nvPicPr>
         <p:blipFill>
-          <a:blip r:embed="rId2">
+          <a:blip r:embed="rId3">
             <a:extLst>
               <a:ext uri="{28A0092B-C50C-407E-A947-70E740481C1C}">
                 <a14:useLocalDpi xmlns:a14="http://schemas.microsoft.com/office/drawing/2010/main" val="0"/>
@@ -16015,25 +16017,7 @@
                 </a:solidFill>
                 <a:hlinkClick r:id="rId2"/>
               </a:rPr>
-              <a:t>앞에 제시된 </a:t>
-            </a:r>
-            <a:r>
-              <a:rPr lang="en-US" altLang="ko-KR" u="sng" dirty="0">
-                <a:solidFill>
-                  <a:srgbClr val="00B0F0"/>
-                </a:solidFill>
-                <a:hlinkClick r:id="rId2"/>
-              </a:rPr>
-              <a:t>Use Case </a:t>
-            </a:r>
-            <a:r>
-              <a:rPr lang="ko-KR" altLang="en-US" u="sng" dirty="0">
-                <a:solidFill>
-                  <a:srgbClr val="00B0F0"/>
-                </a:solidFill>
-                <a:hlinkClick r:id="rId2"/>
-              </a:rPr>
-              <a:t>명칭</a:t>
+              <a:t>모임 시간 및 장소 추천</a:t>
             </a:r>
             <a:r>
               <a:rPr lang="en-US" altLang="ko-KR" u="sng" dirty="0">
@@ -16081,7 +16065,7 @@
           </a:prstGeom>
           <a:extLst>
             <a:ext uri="{C572A759-6A51-4108-AA02-DFA0A04FC94B}">
-              <ma14:wrappingTextBoxFlag xmlns="" xmlns:ma14="http://schemas.microsoft.com/office/mac/drawingml/2011/main" val="1"/>
+              <ma14:wrappingTextBoxFlag xmlns:ma14="http://schemas.microsoft.com/office/mac/drawingml/2011/main" xmlns="" val="1"/>
             </a:ext>
           </a:extLst>
         </p:spPr>
@@ -16774,25 +16758,10 @@
           <a:lstStyle/>
           <a:p>
             <a:r>
-              <a:rPr lang="ko-KR" altLang="en-US" dirty="0"/>
-              <a:t>개발된 </a:t>
-            </a:r>
-            <a:r>
-              <a:rPr lang="en-US" altLang="ko-KR" dirty="0"/>
-              <a:t>Application</a:t>
-            </a:r>
-            <a:r>
-              <a:rPr lang="ko-KR" altLang="en-US" dirty="0"/>
-              <a:t>이 제공하는 </a:t>
-            </a:r>
-            <a:r>
               <a:rPr lang="en-US" altLang="ko-KR" dirty="0"/>
               <a:t>Benefit</a:t>
             </a:r>
-            <a:r>
-              <a:rPr lang="ko-KR" altLang="en-US" dirty="0"/>
-              <a:t> 입증</a:t>
-            </a:r>
+            <a:endParaRPr lang="ko-KR" altLang="en-US" dirty="0"/>
           </a:p>
         </p:txBody>
       </p:sp>

--- a/최종산출물/4조 최종결과보고서.pptx
+++ b/최종산출물/4조 최종결과보고서.pptx
@@ -16065,7 +16065,7 @@
           </a:prstGeom>
           <a:extLst>
             <a:ext uri="{C572A759-6A51-4108-AA02-DFA0A04FC94B}">
-              <ma14:wrappingTextBoxFlag xmlns:ma14="http://schemas.microsoft.com/office/mac/drawingml/2011/main" xmlns="" val="1"/>
+              <ma14:wrappingTextBoxFlag xmlns="" xmlns:ma14="http://schemas.microsoft.com/office/mac/drawingml/2011/main" val="1"/>
             </a:ext>
           </a:extLst>
         </p:spPr>
@@ -17755,12 +17755,9 @@
             </a:r>
             <a:r>
               <a:rPr lang="en-US" altLang="ko-KR" dirty="0">
-                <a:solidFill>
-                  <a:schemeClr val="accent5"/>
-                </a:solidFill>
                 <a:hlinkClick r:id="rId3"/>
               </a:rPr>
-              <a:t>http://cscp2.sogang.ac.kr/CSW4010/index.php/2019%EB%85%84_FilingGood</a:t>
+              <a:t>https://github.com/wlrud753/FillingGood</a:t>
             </a:r>
             <a:endParaRPr lang="en-US" altLang="ko-KR" dirty="0">
               <a:solidFill>
@@ -17780,9 +17777,12 @@
             </a:r>
             <a:r>
               <a:rPr lang="en-US" altLang="ko-KR" dirty="0">
+                <a:solidFill>
+                  <a:schemeClr val="accent5"/>
+                </a:solidFill>
                 <a:hlinkClick r:id="rId4"/>
               </a:rPr>
-              <a:t>https://github.com/wlrud753/FillingGood</a:t>
+              <a:t>http://cscp2.sogang.ac.kr/CSW4010/index.php/2019%EB%85%84_FilingGood</a:t>
             </a:r>
             <a:endParaRPr lang="en-US" altLang="ko-KR" dirty="0">
               <a:solidFill>

--- a/최종산출물/4조 최종결과보고서.pptx
+++ b/최종산출물/4조 최종결과보고서.pptx
@@ -15446,15 +15446,7 @@
           <a:p>
             <a:r>
               <a:rPr lang="ko-KR" altLang="en-US" dirty="0"/>
-              <a:t>구현 모델의 동영상 시연</a:t>
-            </a:r>
-            <a:r>
-              <a:rPr lang="en-US" altLang="ko-KR" dirty="0"/>
-              <a:t>/ </a:t>
-            </a:r>
-            <a:r>
-              <a:rPr lang="ko-KR" altLang="en-US" dirty="0"/>
-              <a:t>실연</a:t>
+              <a:t>구현 모델의 동영상</a:t>
             </a:r>
           </a:p>
         </p:txBody>
@@ -15491,8 +15483,8 @@
         </p:nvSpPr>
         <p:spPr>
           <a:xfrm>
-            <a:off x="670130" y="1367480"/>
-            <a:ext cx="7792518" cy="1754326"/>
+            <a:off x="549778" y="1665107"/>
+            <a:ext cx="7070222" cy="2031325"/>
           </a:xfrm>
           <a:prstGeom prst="rect">
             <a:avLst/>
@@ -15500,75 +15492,11 @@
           <a:noFill/>
         </p:spPr>
         <p:txBody>
-          <a:bodyPr wrap="none" rtlCol="0">
+          <a:bodyPr wrap="square" rtlCol="0">
             <a:spAutoFit/>
           </a:bodyPr>
           <a:lstStyle/>
           <a:p>
-            <a:r>
-              <a:rPr lang="en-US" altLang="ko-KR" dirty="0">
-                <a:solidFill>
-                  <a:schemeClr val="accent5"/>
-                </a:solidFill>
-              </a:rPr>
-              <a:t>Use</a:t>
-            </a:r>
-            <a:r>
-              <a:rPr lang="ko-KR" altLang="en-US" dirty="0">
-                <a:solidFill>
-                  <a:schemeClr val="accent5"/>
-                </a:solidFill>
-              </a:rPr>
-              <a:t> </a:t>
-            </a:r>
-            <a:r>
-              <a:rPr lang="en-US" altLang="ko-KR" dirty="0">
-                <a:solidFill>
-                  <a:schemeClr val="accent5"/>
-                </a:solidFill>
-              </a:rPr>
-              <a:t>Case</a:t>
-            </a:r>
-            <a:r>
-              <a:rPr lang="ko-KR" altLang="en-US" dirty="0">
-                <a:solidFill>
-                  <a:schemeClr val="accent5"/>
-                </a:solidFill>
-              </a:rPr>
-              <a:t>별로 실행 동영상</a:t>
-            </a:r>
-            <a:r>
-              <a:rPr lang="en-US" altLang="ko-KR" dirty="0">
-                <a:solidFill>
-                  <a:schemeClr val="accent5"/>
-                </a:solidFill>
-              </a:rPr>
-              <a:t>(.mp4)</a:t>
-            </a:r>
-            <a:r>
-              <a:rPr lang="ko-KR" altLang="en-US" dirty="0">
-                <a:solidFill>
-                  <a:schemeClr val="accent5"/>
-                </a:solidFill>
-              </a:rPr>
-              <a:t> 하나씩 작성하여 각각 </a:t>
-            </a:r>
-            <a:r>
-              <a:rPr lang="en-US" altLang="ko-KR" dirty="0">
-                <a:solidFill>
-                  <a:schemeClr val="accent5"/>
-                </a:solidFill>
-              </a:rPr>
-              <a:t>hyper link</a:t>
-            </a:r>
-            <a:r>
-              <a:rPr lang="ko-KR" altLang="en-US" dirty="0">
-                <a:solidFill>
-                  <a:schemeClr val="accent5"/>
-                </a:solidFill>
-              </a:rPr>
-              <a:t>로 연결</a:t>
-            </a:r>
             <a:endParaRPr lang="en-US" altLang="ko-KR" dirty="0">
               <a:solidFill>
                 <a:schemeClr val="accent5"/>
@@ -15576,13 +15504,6 @@
             </a:endParaRPr>
           </a:p>
           <a:p>
-            <a:endParaRPr lang="en-US" altLang="ko-KR" dirty="0">
-              <a:solidFill>
-                <a:schemeClr val="accent5"/>
-              </a:solidFill>
-            </a:endParaRPr>
-          </a:p>
-          <a:p>
             <a:pPr marL="285750" indent="-285750">
               <a:buFontTx/>
               <a:buChar char="-"/>
@@ -15592,6 +15513,7 @@
                 <a:solidFill>
                   <a:srgbClr val="00B0F0"/>
                 </a:solidFill>
+                <a:hlinkClick r:id="rId2"/>
               </a:rPr>
               <a:t>개인일정관리</a:t>
             </a:r>
@@ -15602,7 +15524,7 @@
             </a:endParaRPr>
           </a:p>
           <a:p>
-            <a:pPr marL="285750" indent="-285750">
+            <a:pPr marL="742950" lvl="1" indent="-285750">
               <a:buFontTx/>
               <a:buChar char="-"/>
             </a:pPr>
@@ -15611,8 +15533,18 @@
                 <a:solidFill>
                   <a:srgbClr val="00B0F0"/>
                 </a:solidFill>
+                <a:hlinkClick r:id="rId3"/>
               </a:rPr>
-              <a:t>모임그룹관리</a:t>
+              <a:t>외부일정연동</a:t>
+            </a:r>
+            <a:r>
+              <a:rPr lang="en-US" altLang="ko-KR" u="sng" dirty="0">
+                <a:solidFill>
+                  <a:srgbClr val="00B0F0"/>
+                </a:solidFill>
+                <a:hlinkClick r:id="rId3"/>
+              </a:rPr>
+              <a:t> </a:t>
             </a:r>
             <a:endParaRPr lang="en-US" altLang="ko-KR" u="sng" dirty="0">
               <a:solidFill>
@@ -15621,7 +15553,7 @@
             </a:endParaRPr>
           </a:p>
           <a:p>
-            <a:pPr marL="285750" indent="-285750">
+            <a:pPr marL="742950" lvl="1" indent="-285750">
               <a:buFontTx/>
               <a:buChar char="-"/>
             </a:pPr>
@@ -15630,8 +15562,9 @@
                 <a:solidFill>
                   <a:srgbClr val="00B0F0"/>
                 </a:solidFill>
+                <a:hlinkClick r:id="rId4"/>
               </a:rPr>
-              <a:t>모임 장소 및 시간 추천</a:t>
+              <a:t>외부일정 연동 안되는 케이스</a:t>
             </a:r>
             <a:endParaRPr lang="en-US" altLang="ko-KR" u="sng" dirty="0">
               <a:solidFill>
@@ -15649,51 +15582,55 @@
                 <a:solidFill>
                   <a:srgbClr val="00B0F0"/>
                 </a:solidFill>
+                <a:hlinkClick r:id="rId5"/>
+              </a:rPr>
+              <a:t>모임그룹관리</a:t>
+            </a:r>
+            <a:endParaRPr lang="en-US" altLang="ko-KR" u="sng" dirty="0">
+              <a:solidFill>
+                <a:srgbClr val="00B0F0"/>
+              </a:solidFill>
+            </a:endParaRPr>
+          </a:p>
+          <a:p>
+            <a:pPr marL="285750" indent="-285750">
+              <a:buFontTx/>
+              <a:buChar char="-"/>
+            </a:pPr>
+            <a:r>
+              <a:rPr lang="ko-KR" altLang="en-US" u="sng" dirty="0">
+                <a:solidFill>
+                  <a:srgbClr val="00B0F0"/>
+                </a:solidFill>
+                <a:hlinkClick r:id="rId6"/>
+              </a:rPr>
+              <a:t>모임 장소 및 시간 추천</a:t>
+            </a:r>
+            <a:endParaRPr lang="en-US" altLang="ko-KR" u="sng" dirty="0">
+              <a:solidFill>
+                <a:srgbClr val="00B0F0"/>
+              </a:solidFill>
+            </a:endParaRPr>
+          </a:p>
+          <a:p>
+            <a:pPr marL="285750" indent="-285750">
+              <a:buFontTx/>
+              <a:buChar char="-"/>
+            </a:pPr>
+            <a:r>
+              <a:rPr lang="ko-KR" altLang="en-US" u="sng" dirty="0">
+                <a:solidFill>
+                  <a:srgbClr val="00B0F0"/>
+                </a:solidFill>
+                <a:hlinkClick r:id="rId7"/>
               </a:rPr>
               <a:t>추천 모임일정에 대한 피드백</a:t>
             </a:r>
-          </a:p>
-        </p:txBody>
-      </p:sp>
-      <p:sp>
-        <p:nvSpPr>
-          <p:cNvPr id="6" name="TextBox 5"/>
-          <p:cNvSpPr txBox="1"/>
-          <p:nvPr/>
-        </p:nvSpPr>
-        <p:spPr>
-          <a:xfrm>
-            <a:off x="670130" y="3059668"/>
-            <a:ext cx="6468437" cy="369332"/>
-          </a:xfrm>
-          <a:prstGeom prst="rect">
-            <a:avLst/>
-          </a:prstGeom>
-          <a:noFill/>
-        </p:spPr>
-        <p:txBody>
-          <a:bodyPr wrap="none" rtlCol="0">
-            <a:spAutoFit/>
-          </a:bodyPr>
-          <a:lstStyle/>
-          <a:p>
-            <a:r>
-              <a:rPr lang="ko-KR" altLang="en-US" dirty="0"/>
-              <a:t>최종 발표시에는 실제 </a:t>
-            </a:r>
-            <a:r>
-              <a:rPr lang="en-US" altLang="ko-KR" dirty="0"/>
-              <a:t>Application </a:t>
-            </a:r>
-            <a:r>
-              <a:rPr lang="ko-KR" altLang="en-US" dirty="0"/>
-              <a:t>실행을 시연하기 바랍니다</a:t>
-            </a:r>
-            <a:r>
-              <a:rPr lang="en-US" altLang="ko-KR" dirty="0"/>
-              <a:t>.</a:t>
-            </a:r>
-            <a:endParaRPr lang="ko-KR" altLang="en-US" dirty="0"/>
+            <a:endParaRPr lang="ko-KR" altLang="en-US" u="sng" dirty="0">
+              <a:solidFill>
+                <a:srgbClr val="00B0F0"/>
+              </a:solidFill>
+            </a:endParaRPr>
           </a:p>
         </p:txBody>
       </p:sp>
@@ -16065,7 +16002,7 @@
           </a:prstGeom>
           <a:extLst>
             <a:ext uri="{C572A759-6A51-4108-AA02-DFA0A04FC94B}">
-              <ma14:wrappingTextBoxFlag xmlns="" xmlns:ma14="http://schemas.microsoft.com/office/mac/drawingml/2011/main" val="1"/>
+              <ma14:wrappingTextBoxFlag xmlns:ma14="http://schemas.microsoft.com/office/mac/drawingml/2011/main" xmlns="" val="1"/>
             </a:ext>
           </a:extLst>
         </p:spPr>

--- a/최종산출물/4조 최종결과보고서.pptx
+++ b/최종산출물/4조 최종결과보고서.pptx
@@ -16002,7 +16002,7 @@
           </a:prstGeom>
           <a:extLst>
             <a:ext uri="{C572A759-6A51-4108-AA02-DFA0A04FC94B}">
-              <ma14:wrappingTextBoxFlag xmlns:ma14="http://schemas.microsoft.com/office/mac/drawingml/2011/main" xmlns="" val="1"/>
+              <ma14:wrappingTextBoxFlag xmlns="" xmlns:ma14="http://schemas.microsoft.com/office/mac/drawingml/2011/main" val="1"/>
             </a:ext>
           </a:extLst>
         </p:spPr>
@@ -16720,7 +16720,7 @@
         </p:nvSpPr>
         <p:spPr>
           <a:xfrm>
-            <a:off x="457200" y="2960948"/>
+            <a:off x="457200" y="2300387"/>
             <a:ext cx="8229600" cy="936104"/>
           </a:xfrm>
         </p:spPr>
@@ -16780,6 +16780,221 @@
               <a:t>38</a:t>
             </a:fld>
             <a:endParaRPr lang="ko-KR" altLang="en-US" dirty="0"/>
+          </a:p>
+        </p:txBody>
+      </p:sp>
+      <p:sp>
+        <p:nvSpPr>
+          <p:cNvPr id="5" name="내용 개체 틀 2">
+            <a:extLst>
+              <a:ext uri="{FF2B5EF4-FFF2-40B4-BE49-F238E27FC236}">
+                <a16:creationId xmlns:a16="http://schemas.microsoft.com/office/drawing/2014/main" id="{7C698625-FA38-46F4-911D-E247BA1C35BB}"/>
+              </a:ext>
+            </a:extLst>
+          </p:cNvPr>
+          <p:cNvSpPr txBox="1">
+            <a:spLocks/>
+          </p:cNvSpPr>
+          <p:nvPr/>
+        </p:nvSpPr>
+        <p:spPr>
+          <a:xfrm>
+            <a:off x="457200" y="3621510"/>
+            <a:ext cx="8447304" cy="1463674"/>
+          </a:xfrm>
+          <a:prstGeom prst="rect">
+            <a:avLst/>
+          </a:prstGeom>
+        </p:spPr>
+        <p:txBody>
+          <a:bodyPr vert="horz" lIns="91440" tIns="45720" rIns="91440" bIns="45720" rtlCol="0">
+            <a:normAutofit fontScale="92500"/>
+          </a:bodyPr>
+          <a:lstStyle>
+            <a:lvl1pPr marL="342900" indent="-342900" algn="l" defTabSz="914400" rtl="0" eaLnBrk="1" latinLnBrk="1" hangingPunct="1">
+              <a:lnSpc>
+                <a:spcPct val="120000"/>
+              </a:lnSpc>
+              <a:spcBef>
+                <a:spcPct val="20000"/>
+              </a:spcBef>
+              <a:buClr>
+                <a:schemeClr val="accent1"/>
+              </a:buClr>
+              <a:buFont typeface="Wingdings" pitchFamily="2" charset="2"/>
+              <a:buChar char="l"/>
+              <a:defRPr sz="2000" kern="1200">
+                <a:solidFill>
+                  <a:schemeClr val="tx1"/>
+                </a:solidFill>
+                <a:latin typeface="+mn-lt"/>
+                <a:ea typeface="+mn-ea"/>
+                <a:cs typeface="+mn-cs"/>
+              </a:defRPr>
+            </a:lvl1pPr>
+            <a:lvl2pPr marL="742950" indent="-285750" algn="l" defTabSz="914400" rtl="0" eaLnBrk="1" latinLnBrk="1" hangingPunct="1">
+              <a:lnSpc>
+                <a:spcPct val="120000"/>
+              </a:lnSpc>
+              <a:spcBef>
+                <a:spcPct val="20000"/>
+              </a:spcBef>
+              <a:buClr>
+                <a:srgbClr val="D1DD5B"/>
+              </a:buClr>
+              <a:buFont typeface="Wingdings" pitchFamily="2" charset="2"/>
+              <a:buChar char="§"/>
+              <a:defRPr sz="1800" kern="1200">
+                <a:solidFill>
+                  <a:schemeClr val="tx1"/>
+                </a:solidFill>
+                <a:latin typeface="+mn-lt"/>
+                <a:ea typeface="+mn-ea"/>
+                <a:cs typeface="+mn-cs"/>
+              </a:defRPr>
+            </a:lvl2pPr>
+            <a:lvl3pPr marL="1143000" indent="-228600" algn="l" defTabSz="914400" rtl="0" eaLnBrk="1" latinLnBrk="1" hangingPunct="1">
+              <a:lnSpc>
+                <a:spcPct val="120000"/>
+              </a:lnSpc>
+              <a:spcBef>
+                <a:spcPct val="20000"/>
+              </a:spcBef>
+              <a:buClr>
+                <a:schemeClr val="accent4">
+                  <a:lumMod val="75000"/>
+                </a:schemeClr>
+              </a:buClr>
+              <a:buFont typeface="Wingdings" pitchFamily="2" charset="2"/>
+              <a:buChar char="ü"/>
+              <a:defRPr sz="1600" kern="1200">
+                <a:solidFill>
+                  <a:schemeClr val="tx1"/>
+                </a:solidFill>
+                <a:latin typeface="+mn-lt"/>
+                <a:ea typeface="+mn-ea"/>
+                <a:cs typeface="+mn-cs"/>
+              </a:defRPr>
+            </a:lvl3pPr>
+            <a:lvl4pPr marL="1600200" indent="-228600" algn="l" defTabSz="914400" rtl="0" eaLnBrk="1" latinLnBrk="1" hangingPunct="1">
+              <a:spcBef>
+                <a:spcPct val="20000"/>
+              </a:spcBef>
+              <a:buFont typeface="Arial" pitchFamily="34" charset="0"/>
+              <a:buChar char="–"/>
+              <a:defRPr sz="2000" kern="1200">
+                <a:solidFill>
+                  <a:schemeClr val="tx1"/>
+                </a:solidFill>
+                <a:latin typeface="+mn-lt"/>
+                <a:ea typeface="+mn-ea"/>
+                <a:cs typeface="+mn-cs"/>
+              </a:defRPr>
+            </a:lvl4pPr>
+            <a:lvl5pPr marL="2057400" indent="-228600" algn="l" defTabSz="914400" rtl="0" eaLnBrk="1" latinLnBrk="1" hangingPunct="1">
+              <a:spcBef>
+                <a:spcPct val="20000"/>
+              </a:spcBef>
+              <a:buFont typeface="Arial" pitchFamily="34" charset="0"/>
+              <a:buChar char="»"/>
+              <a:defRPr sz="2000" kern="1200">
+                <a:solidFill>
+                  <a:schemeClr val="tx1"/>
+                </a:solidFill>
+                <a:latin typeface="+mn-lt"/>
+                <a:ea typeface="+mn-ea"/>
+                <a:cs typeface="+mn-cs"/>
+              </a:defRPr>
+            </a:lvl5pPr>
+            <a:lvl6pPr marL="2514600" indent="-228600" algn="l" defTabSz="914400" rtl="0" eaLnBrk="1" latinLnBrk="1" hangingPunct="1">
+              <a:spcBef>
+                <a:spcPct val="20000"/>
+              </a:spcBef>
+              <a:buFont typeface="Arial" pitchFamily="34" charset="0"/>
+              <a:buChar char="•"/>
+              <a:defRPr sz="2000" kern="1200">
+                <a:solidFill>
+                  <a:schemeClr val="tx1"/>
+                </a:solidFill>
+                <a:latin typeface="+mn-lt"/>
+                <a:ea typeface="+mn-ea"/>
+                <a:cs typeface="+mn-cs"/>
+              </a:defRPr>
+            </a:lvl6pPr>
+            <a:lvl7pPr marL="2971800" indent="-228600" algn="l" defTabSz="914400" rtl="0" eaLnBrk="1" latinLnBrk="1" hangingPunct="1">
+              <a:spcBef>
+                <a:spcPct val="20000"/>
+              </a:spcBef>
+              <a:buFont typeface="Arial" pitchFamily="34" charset="0"/>
+              <a:buChar char="•"/>
+              <a:defRPr sz="2000" kern="1200">
+                <a:solidFill>
+                  <a:schemeClr val="tx1"/>
+                </a:solidFill>
+                <a:latin typeface="+mn-lt"/>
+                <a:ea typeface="+mn-ea"/>
+                <a:cs typeface="+mn-cs"/>
+              </a:defRPr>
+            </a:lvl7pPr>
+            <a:lvl8pPr marL="3429000" indent="-228600" algn="l" defTabSz="914400" rtl="0" eaLnBrk="1" latinLnBrk="1" hangingPunct="1">
+              <a:spcBef>
+                <a:spcPct val="20000"/>
+              </a:spcBef>
+              <a:buFont typeface="Arial" pitchFamily="34" charset="0"/>
+              <a:buChar char="•"/>
+              <a:defRPr sz="2000" kern="1200">
+                <a:solidFill>
+                  <a:schemeClr val="tx1"/>
+                </a:solidFill>
+                <a:latin typeface="+mn-lt"/>
+                <a:ea typeface="+mn-ea"/>
+                <a:cs typeface="+mn-cs"/>
+              </a:defRPr>
+            </a:lvl8pPr>
+            <a:lvl9pPr marL="3886200" indent="-228600" algn="l" defTabSz="914400" rtl="0" eaLnBrk="1" latinLnBrk="1" hangingPunct="1">
+              <a:spcBef>
+                <a:spcPct val="20000"/>
+              </a:spcBef>
+              <a:buFont typeface="Arial" pitchFamily="34" charset="0"/>
+              <a:buChar char="•"/>
+              <a:defRPr sz="2000" kern="1200">
+                <a:solidFill>
+                  <a:schemeClr val="tx1"/>
+                </a:solidFill>
+                <a:latin typeface="+mn-lt"/>
+                <a:ea typeface="+mn-ea"/>
+                <a:cs typeface="+mn-cs"/>
+              </a:defRPr>
+            </a:lvl9pPr>
+          </a:lstStyle>
+          <a:p>
+            <a:r>
+              <a:rPr lang="ko-KR" altLang="en-US" dirty="0"/>
+              <a:t>이전에 일정을 진행했던 장소들이 장소 추천에 지속적으로 영향을 미침</a:t>
+            </a:r>
+            <a:r>
+              <a:rPr lang="en-US" altLang="ko-KR" dirty="0"/>
+              <a:t>.</a:t>
+            </a:r>
+          </a:p>
+          <a:p>
+            <a:pPr marL="288000" indent="0">
+              <a:buNone/>
+            </a:pPr>
+            <a:r>
+              <a:rPr lang="ko-KR" altLang="en-US" dirty="0"/>
+              <a:t>설문조사를 바탕으로 얻은 자료로서 유사도 계산을 수행하는 것이기에</a:t>
+            </a:r>
+            <a:endParaRPr lang="en-US" altLang="ko-KR" dirty="0"/>
+          </a:p>
+          <a:p>
+            <a:pPr marL="288000" indent="0">
+              <a:buNone/>
+            </a:pPr>
+            <a:r>
+              <a:rPr lang="ko-KR" altLang="en-US" dirty="0"/>
+              <a:t>신뢰성을 확보할 수 있음</a:t>
+            </a:r>
           </a:p>
         </p:txBody>
       </p:sp>

--- a/최종산출물/4조 최종결과보고서.pptx
+++ b/최종산출물/4조 최종결과보고서.pptx
@@ -16002,7 +16002,7 @@
           </a:prstGeom>
           <a:extLst>
             <a:ext uri="{C572A759-6A51-4108-AA02-DFA0A04FC94B}">
-              <ma14:wrappingTextBoxFlag xmlns="" xmlns:ma14="http://schemas.microsoft.com/office/mac/drawingml/2011/main" val="1"/>
+              <ma14:wrappingTextBoxFlag xmlns:ma14="http://schemas.microsoft.com/office/mac/drawingml/2011/main" xmlns="" val="1"/>
             </a:ext>
           </a:extLst>
         </p:spPr>
@@ -17590,11 +17590,9 @@
             <a:endParaRPr lang="en-US" altLang="ko-KR" sz="1800" dirty="0"/>
           </a:p>
           <a:p>
-            <a:pPr lvl="1"/>
-            <a:endParaRPr lang="en-US" altLang="ko-KR" sz="1800" dirty="0"/>
-          </a:p>
-          <a:p>
-            <a:pPr lvl="1"/>
+            <a:pPr marL="457200" lvl="1" indent="0">
+              <a:buNone/>
+            </a:pPr>
             <a:endParaRPr lang="en-US" altLang="ko-KR" sz="1800" dirty="0"/>
           </a:p>
           <a:p>
@@ -17608,15 +17606,15 @@
             <a:pPr lvl="1"/>
             <a:r>
               <a:rPr lang="ko-KR" altLang="en-US" sz="1800" dirty="0"/>
-              <a:t>인원이 다른 조에 비해 한 명 부족한 만큼 각자에게 더 부담이 가중됐는데</a:t>
-            </a:r>
-            <a:r>
-              <a:rPr lang="en-US" altLang="ko-KR" sz="1800" dirty="0"/>
-              <a:t>, </a:t>
+              <a:t>인원이 다른 조에 비해 한 명 부족한 만큼 각자에게 더 부담이 </a:t>
+            </a:r>
+            <a:r>
+              <a:rPr lang="ko-KR" altLang="en-US" sz="1800" dirty="0" err="1"/>
+              <a:t>가중되다보니</a:t>
             </a:r>
             <a:r>
               <a:rPr lang="ko-KR" altLang="en-US" sz="1800" dirty="0"/>
-              <a:t>이에 대한 어떠한 추가적인 보상도 없어서 아쉬웠습니다</a:t>
+              <a:t> 초기에 원하던 성과를 얻지 못해 아쉬웠습니다</a:t>
             </a:r>
             <a:r>
               <a:rPr lang="en-US" altLang="ko-KR" sz="1800" dirty="0"/>
@@ -17627,10 +17625,29 @@
             <a:pPr lvl="1"/>
             <a:r>
               <a:rPr lang="ko-KR" altLang="en-US" dirty="0"/>
-              <a:t>팀 작업에서 각자가 맡아야 할 역할의 양을 적절하게 각 조원에게 분배해서 이루어지지 못한 것 같아서 아쉬웠습니다</a:t>
+              <a:t>팀 작업에서 각자가 맡아야 할 역할의 양을 적절하게 각 조원에게 분배하지 못해 아쉬웠습니다</a:t>
             </a:r>
             <a:r>
               <a:rPr lang="en-US" altLang="ko-KR" dirty="0"/>
+              <a:t>.</a:t>
+            </a:r>
+          </a:p>
+          <a:p>
+            <a:pPr lvl="1"/>
+            <a:r>
+              <a:rPr lang="ko-KR" altLang="en-US" dirty="0"/>
+              <a:t>여러 새로운 기술</a:t>
+            </a:r>
+            <a:r>
+              <a:rPr lang="en-US" altLang="ko-KR" dirty="0"/>
+              <a:t>, </a:t>
+            </a:r>
+            <a:r>
+              <a:rPr lang="ko-KR" altLang="en-US" dirty="0"/>
+              <a:t>알고리즘을 알게 됐는데 이를 접목해보지 못해 아쉬웠습니다</a:t>
+            </a:r>
+            <a:r>
+              <a:rPr lang="en-US" altLang="ko-KR"/>
               <a:t>.</a:t>
             </a:r>
             <a:endParaRPr lang="ko-KR" altLang="en-US" dirty="0"/>

--- a/최종산출물/4조 최종결과보고서.pptx
+++ b/최종산출물/4조 최종결과보고서.pptx
@@ -14952,60 +14952,6 @@
           </a:p>
         </p:txBody>
       </p:sp>
-      <p:sp>
-        <p:nvSpPr>
-          <p:cNvPr id="5" name="직사각형 4">
-            <a:extLst>
-              <a:ext uri="{FF2B5EF4-FFF2-40B4-BE49-F238E27FC236}">
-                <a16:creationId xmlns:a16="http://schemas.microsoft.com/office/drawing/2014/main" id="{F03FE80D-A00B-457E-BEC1-0FE8DB8DA1CC}"/>
-              </a:ext>
-            </a:extLst>
-          </p:cNvPr>
-          <p:cNvSpPr/>
-          <p:nvPr/>
-        </p:nvSpPr>
-        <p:spPr>
-          <a:xfrm>
-            <a:off x="4481528" y="251356"/>
-            <a:ext cx="4193777" cy="369332"/>
-          </a:xfrm>
-          <a:prstGeom prst="rect">
-            <a:avLst/>
-          </a:prstGeom>
-          <a:solidFill>
-            <a:srgbClr val="FFFF00"/>
-          </a:solidFill>
-        </p:spPr>
-        <p:txBody>
-          <a:bodyPr wrap="none">
-            <a:spAutoFit/>
-          </a:bodyPr>
-          <a:lstStyle/>
-          <a:p>
-            <a:r>
-              <a:rPr lang="ko-KR" altLang="en-US" dirty="0"/>
-              <a:t>작성한 </a:t>
-            </a:r>
-            <a:r>
-              <a:rPr lang="en-US" altLang="ko-KR" dirty="0" err="1"/>
-              <a:t>StarUML</a:t>
-            </a:r>
-            <a:r>
-              <a:rPr lang="ko-KR" altLang="en-US" dirty="0"/>
-              <a:t>파일로 </a:t>
-            </a:r>
-            <a:r>
-              <a:rPr lang="en-US" altLang="ko-KR" dirty="0"/>
-              <a:t>hyper link </a:t>
-            </a:r>
-            <a:r>
-              <a:rPr lang="ko-KR" altLang="en-US" dirty="0"/>
-              <a:t>연결</a:t>
-            </a:r>
-            <a:endParaRPr lang="en-US" altLang="ko-KR" dirty="0"/>
-          </a:p>
-        </p:txBody>
-      </p:sp>
       <p:pic>
         <p:nvPicPr>
           <p:cNvPr id="7" name="그림 6">
@@ -15180,80 +15126,6 @@
           </a:p>
         </p:txBody>
       </p:sp>
-      <p:sp>
-        <p:nvSpPr>
-          <p:cNvPr id="5" name="직사각형 4">
-            <a:extLst>
-              <a:ext uri="{FF2B5EF4-FFF2-40B4-BE49-F238E27FC236}">
-                <a16:creationId xmlns:a16="http://schemas.microsoft.com/office/drawing/2014/main" id="{B61C547E-DCEA-40C7-8464-092D1425CB71}"/>
-              </a:ext>
-            </a:extLst>
-          </p:cNvPr>
-          <p:cNvSpPr/>
-          <p:nvPr/>
-        </p:nvSpPr>
-        <p:spPr>
-          <a:xfrm>
-            <a:off x="916642" y="89972"/>
-            <a:ext cx="8215391" cy="369332"/>
-          </a:xfrm>
-          <a:prstGeom prst="rect">
-            <a:avLst/>
-          </a:prstGeom>
-          <a:solidFill>
-            <a:srgbClr val="FFFF00"/>
-          </a:solidFill>
-        </p:spPr>
-        <p:txBody>
-          <a:bodyPr wrap="none">
-            <a:spAutoFit/>
-          </a:bodyPr>
-          <a:lstStyle/>
-          <a:p>
-            <a:r>
-              <a:rPr lang="en-US" altLang="ko-KR" dirty="0" err="1"/>
-              <a:t>StarUML</a:t>
-            </a:r>
-            <a:r>
-              <a:rPr lang="ko-KR" altLang="en-US" dirty="0"/>
-              <a:t>외의 </a:t>
-            </a:r>
-            <a:r>
-              <a:rPr lang="en-US" altLang="ko-KR" dirty="0"/>
-              <a:t>tool</a:t>
-            </a:r>
-            <a:r>
-              <a:rPr lang="ko-KR" altLang="en-US" dirty="0"/>
-              <a:t>을 사용하여 작성했다면</a:t>
-            </a:r>
-            <a:r>
-              <a:rPr lang="en-US" altLang="ko-KR" dirty="0"/>
-              <a:t>, </a:t>
-            </a:r>
-            <a:r>
-              <a:rPr lang="ko-KR" altLang="en-US" dirty="0"/>
-              <a:t>해당 </a:t>
-            </a:r>
-            <a:r>
-              <a:rPr lang="en-US" altLang="ko-KR" dirty="0"/>
-              <a:t>model </a:t>
-            </a:r>
-            <a:r>
-              <a:rPr lang="ko-KR" altLang="en-US" dirty="0"/>
-              <a:t>파일로 </a:t>
-            </a:r>
-            <a:r>
-              <a:rPr lang="en-US" altLang="ko-KR" dirty="0"/>
-              <a:t>Hyperlink </a:t>
-            </a:r>
-            <a:r>
-              <a:rPr lang="ko-KR" altLang="en-US" dirty="0"/>
-              <a:t>연결</a:t>
-            </a:r>
-            <a:endParaRPr lang="en-US" altLang="ko-KR" dirty="0"/>
-          </a:p>
-        </p:txBody>
-      </p:sp>
       <p:pic>
         <p:nvPicPr>
           <p:cNvPr id="7" name="그림 6">
@@ -15282,7 +15154,7 @@
         </p:blipFill>
         <p:spPr>
           <a:xfrm>
-            <a:off x="251520" y="1782380"/>
+            <a:off x="251520" y="1813553"/>
             <a:ext cx="8147630" cy="4728484"/>
           </a:xfrm>
           <a:prstGeom prst="rect">
@@ -16002,7 +15874,7 @@
           </a:prstGeom>
           <a:extLst>
             <a:ext uri="{C572A759-6A51-4108-AA02-DFA0A04FC94B}">
-              <ma14:wrappingTextBoxFlag xmlns:ma14="http://schemas.microsoft.com/office/mac/drawingml/2011/main" xmlns="" val="1"/>
+              <ma14:wrappingTextBoxFlag xmlns="" xmlns:ma14="http://schemas.microsoft.com/office/mac/drawingml/2011/main" val="1"/>
             </a:ext>
           </a:extLst>
         </p:spPr>
@@ -17779,7 +17651,7 @@
             </a:r>
             <a:r>
               <a:rPr lang="en-US" altLang="ko-KR" dirty="0"/>
-              <a:t>: 344.75</a:t>
+              <a:t>: 347.08</a:t>
             </a:r>
             <a:r>
               <a:rPr lang="ko-KR" altLang="en-US" dirty="0"/>
@@ -17799,7 +17671,7 @@
             </a:r>
             <a:r>
               <a:rPr lang="en-US" altLang="ko-KR" dirty="0"/>
-              <a:t>: 68.95</a:t>
+              <a:t>: 69.41</a:t>
             </a:r>
             <a:r>
               <a:rPr lang="ko-KR" altLang="en-US" dirty="0"/>

--- a/최종산출물/4조 최종결과보고서.pptx
+++ b/최종산출물/4조 최종결과보고서.pptx
@@ -15874,7 +15874,7 @@
           </a:prstGeom>
           <a:extLst>
             <a:ext uri="{C572A759-6A51-4108-AA02-DFA0A04FC94B}">
-              <ma14:wrappingTextBoxFlag xmlns="" xmlns:ma14="http://schemas.microsoft.com/office/mac/drawingml/2011/main" val="1"/>
+              <ma14:wrappingTextBoxFlag xmlns:ma14="http://schemas.microsoft.com/office/mac/drawingml/2011/main" xmlns="" val="1"/>
             </a:ext>
           </a:extLst>
         </p:spPr>
